--- a/Desarrollo/Arquitectura.pptx
+++ b/Desarrollo/Arquitectura.pptx
@@ -10,6 +10,7 @@
     <p:sldId id="257" r:id="rId4"/>
     <p:sldId id="258" r:id="rId5"/>
     <p:sldId id="260" r:id="rId6"/>
+    <p:sldId id="261" r:id="rId7"/>
   </p:sldIdLst>
   <p:sldSz cx="12887325" cy="8280400"/>
   <p:notesSz cx="6858000" cy="9144000"/>
@@ -119,7 +120,7 @@
 <file path=ppt/revisionInfo.xml><?xml version="1.0" encoding="utf-8"?>
 <p1510:revInfo xmlns:a="http://schemas.openxmlformats.org/drawingml/2006/main" xmlns:r="http://schemas.openxmlformats.org/officeDocument/2006/relationships" xmlns:p1510="http://schemas.microsoft.com/office/powerpoint/2015/10/main">
   <p1510:revLst>
-    <p1510:client id="{D64EE990-5B97-4685-AD62-0BE4477E0A7B}" v="183" dt="2024-06-03T13:43:46.905"/>
+    <p1510:client id="{D64EE990-5B97-4685-AD62-0BE4477E0A7B}" v="186" dt="2024-06-07T15:37:50.473"/>
   </p1510:revLst>
 </p1510:revInfo>
 </file>
@@ -129,7 +130,7 @@
   <pc:docChgLst>
     <pc:chgData name="Javier Coque" userId="b45cc32f4dafb3dd" providerId="LiveId" clId="{D64EE990-5B97-4685-AD62-0BE4477E0A7B}"/>
     <pc:docChg chg="undo custSel addSld delSld modSld">
-      <pc:chgData name="Javier Coque" userId="b45cc32f4dafb3dd" providerId="LiveId" clId="{D64EE990-5B97-4685-AD62-0BE4477E0A7B}" dt="2024-06-03T13:43:52.843" v="1080" actId="14100"/>
+      <pc:chgData name="Javier Coque" userId="b45cc32f4dafb3dd" providerId="LiveId" clId="{D64EE990-5B97-4685-AD62-0BE4477E0A7B}" dt="2024-06-08T05:54:02.346" v="1188" actId="14100"/>
       <pc:docMkLst>
         <pc:docMk/>
       </pc:docMkLst>
@@ -309,7 +310,7 @@
         </pc:picChg>
       </pc:sldChg>
       <pc:sldChg chg="addSp delSp modSp new mod">
-        <pc:chgData name="Javier Coque" userId="b45cc32f4dafb3dd" providerId="LiveId" clId="{D64EE990-5B97-4685-AD62-0BE4477E0A7B}" dt="2024-06-03T08:12:38.676" v="384" actId="20577"/>
+        <pc:chgData name="Javier Coque" userId="b45cc32f4dafb3dd" providerId="LiveId" clId="{D64EE990-5B97-4685-AD62-0BE4477E0A7B}" dt="2024-06-07T11:41:13.050" v="1081" actId="14100"/>
         <pc:sldMkLst>
           <pc:docMk/>
           <pc:sldMk cId="1864557461" sldId="257"/>
@@ -811,7 +812,7 @@
           </ac:spMkLst>
         </pc:spChg>
         <pc:spChg chg="add mod">
-          <ac:chgData name="Javier Coque" userId="b45cc32f4dafb3dd" providerId="LiveId" clId="{D64EE990-5B97-4685-AD62-0BE4477E0A7B}" dt="2024-06-03T08:12:18.287" v="345" actId="13822"/>
+          <ac:chgData name="Javier Coque" userId="b45cc32f4dafb3dd" providerId="LiveId" clId="{D64EE990-5B97-4685-AD62-0BE4477E0A7B}" dt="2024-06-07T11:41:13.050" v="1081" actId="14100"/>
           <ac:spMkLst>
             <pc:docMk/>
             <pc:sldMk cId="1864557461" sldId="257"/>
@@ -1338,7 +1339,7 @@
         </pc:cxnChg>
       </pc:sldChg>
       <pc:sldChg chg="addSp delSp modSp new mod">
-        <pc:chgData name="Javier Coque" userId="b45cc32f4dafb3dd" providerId="LiveId" clId="{D64EE990-5B97-4685-AD62-0BE4477E0A7B}" dt="2024-06-03T12:22:21.433" v="1067" actId="1076"/>
+        <pc:chgData name="Javier Coque" userId="b45cc32f4dafb3dd" providerId="LiveId" clId="{D64EE990-5B97-4685-AD62-0BE4477E0A7B}" dt="2024-06-08T05:30:59.863" v="1168" actId="14100"/>
         <pc:sldMkLst>
           <pc:docMk/>
           <pc:sldMk cId="1949865477" sldId="259"/>
@@ -1360,7 +1361,7 @@
           </ac:spMkLst>
         </pc:spChg>
         <pc:spChg chg="add mod">
-          <ac:chgData name="Javier Coque" userId="b45cc32f4dafb3dd" providerId="LiveId" clId="{D64EE990-5B97-4685-AD62-0BE4477E0A7B}" dt="2024-06-03T12:19:58.783" v="1016" actId="1076"/>
+          <ac:chgData name="Javier Coque" userId="b45cc32f4dafb3dd" providerId="LiveId" clId="{D64EE990-5B97-4685-AD62-0BE4477E0A7B}" dt="2024-06-08T05:30:59.863" v="1168" actId="14100"/>
           <ac:spMkLst>
             <pc:docMk/>
             <pc:sldMk cId="1949865477" sldId="259"/>
@@ -1432,7 +1433,7 @@
           </ac:spMkLst>
         </pc:spChg>
         <pc:spChg chg="add mod">
-          <ac:chgData name="Javier Coque" userId="b45cc32f4dafb3dd" providerId="LiveId" clId="{D64EE990-5B97-4685-AD62-0BE4477E0A7B}" dt="2024-06-03T12:21:18.635" v="1059" actId="1076"/>
+          <ac:chgData name="Javier Coque" userId="b45cc32f4dafb3dd" providerId="LiveId" clId="{D64EE990-5B97-4685-AD62-0BE4477E0A7B}" dt="2024-06-08T05:27:53.958" v="1155" actId="1076"/>
           <ac:spMkLst>
             <pc:docMk/>
             <pc:sldMk cId="1949865477" sldId="259"/>
@@ -1440,7 +1441,7 @@
           </ac:spMkLst>
         </pc:spChg>
         <pc:spChg chg="add mod">
-          <ac:chgData name="Javier Coque" userId="b45cc32f4dafb3dd" providerId="LiveId" clId="{D64EE990-5B97-4685-AD62-0BE4477E0A7B}" dt="2024-06-03T12:21:16.109" v="1058" actId="1076"/>
+          <ac:chgData name="Javier Coque" userId="b45cc32f4dafb3dd" providerId="LiveId" clId="{D64EE990-5B97-4685-AD62-0BE4477E0A7B}" dt="2024-06-08T05:28:01.577" v="1157" actId="1076"/>
           <ac:spMkLst>
             <pc:docMk/>
             <pc:sldMk cId="1949865477" sldId="259"/>
@@ -1488,7 +1489,7 @@
           </ac:spMkLst>
         </pc:spChg>
         <pc:spChg chg="add mod">
-          <ac:chgData name="Javier Coque" userId="b45cc32f4dafb3dd" providerId="LiveId" clId="{D64EE990-5B97-4685-AD62-0BE4477E0A7B}" dt="2024-06-03T12:19:44.566" v="1011" actId="1076"/>
+          <ac:chgData name="Javier Coque" userId="b45cc32f4dafb3dd" providerId="LiveId" clId="{D64EE990-5B97-4685-AD62-0BE4477E0A7B}" dt="2024-06-08T05:28:21.462" v="1163" actId="113"/>
           <ac:spMkLst>
             <pc:docMk/>
             <pc:sldMk cId="1949865477" sldId="259"/>
@@ -1496,7 +1497,7 @@
           </ac:spMkLst>
         </pc:spChg>
         <pc:spChg chg="add mod">
-          <ac:chgData name="Javier Coque" userId="b45cc32f4dafb3dd" providerId="LiveId" clId="{D64EE990-5B97-4685-AD62-0BE4477E0A7B}" dt="2024-06-03T12:19:48.166" v="1012" actId="1076"/>
+          <ac:chgData name="Javier Coque" userId="b45cc32f4dafb3dd" providerId="LiveId" clId="{D64EE990-5B97-4685-AD62-0BE4477E0A7B}" dt="2024-06-08T05:28:32.686" v="1164" actId="113"/>
           <ac:spMkLst>
             <pc:docMk/>
             <pc:sldMk cId="1949865477" sldId="259"/>
@@ -1504,7 +1505,7 @@
           </ac:spMkLst>
         </pc:spChg>
         <pc:spChg chg="add mod">
-          <ac:chgData name="Javier Coque" userId="b45cc32f4dafb3dd" providerId="LiveId" clId="{D64EE990-5B97-4685-AD62-0BE4477E0A7B}" dt="2024-06-03T12:20:39.566" v="1035" actId="20577"/>
+          <ac:chgData name="Javier Coque" userId="b45cc32f4dafb3dd" providerId="LiveId" clId="{D64EE990-5B97-4685-AD62-0BE4477E0A7B}" dt="2024-06-08T05:28:40.551" v="1166" actId="113"/>
           <ac:spMkLst>
             <pc:docMk/>
             <pc:sldMk cId="1949865477" sldId="259"/>
@@ -1512,7 +1513,7 @@
           </ac:spMkLst>
         </pc:spChg>
         <pc:spChg chg="add mod">
-          <ac:chgData name="Javier Coque" userId="b45cc32f4dafb3dd" providerId="LiveId" clId="{D64EE990-5B97-4685-AD62-0BE4477E0A7B}" dt="2024-06-03T12:21:42.943" v="1065" actId="1076"/>
+          <ac:chgData name="Javier Coque" userId="b45cc32f4dafb3dd" providerId="LiveId" clId="{D64EE990-5B97-4685-AD62-0BE4477E0A7B}" dt="2024-06-08T05:28:37.233" v="1165" actId="113"/>
           <ac:spMkLst>
             <pc:docMk/>
             <pc:sldMk cId="1949865477" sldId="259"/>
@@ -1584,7 +1585,7 @@
           </ac:picMkLst>
         </pc:picChg>
         <pc:picChg chg="add mod">
-          <ac:chgData name="Javier Coque" userId="b45cc32f4dafb3dd" providerId="LiveId" clId="{D64EE990-5B97-4685-AD62-0BE4477E0A7B}" dt="2024-06-03T12:21:30.172" v="1062" actId="1076"/>
+          <ac:chgData name="Javier Coque" userId="b45cc32f4dafb3dd" providerId="LiveId" clId="{D64EE990-5B97-4685-AD62-0BE4477E0A7B}" dt="2024-06-08T05:28:06.621" v="1160" actId="1076"/>
           <ac:picMkLst>
             <pc:docMk/>
             <pc:sldMk cId="1949865477" sldId="259"/>
@@ -1662,6 +1663,141 @@
             <ac:picMk id="5" creationId="{52131BC0-6FC4-2993-C011-75698901A531}"/>
           </ac:picMkLst>
         </pc:picChg>
+      </pc:sldChg>
+      <pc:sldChg chg="addSp delSp modSp new mod">
+        <pc:chgData name="Javier Coque" userId="b45cc32f4dafb3dd" providerId="LiveId" clId="{D64EE990-5B97-4685-AD62-0BE4477E0A7B}" dt="2024-06-08T05:54:02.346" v="1188" actId="14100"/>
+        <pc:sldMkLst>
+          <pc:docMk/>
+          <pc:sldMk cId="590475276" sldId="261"/>
+        </pc:sldMkLst>
+        <pc:spChg chg="del">
+          <ac:chgData name="Javier Coque" userId="b45cc32f4dafb3dd" providerId="LiveId" clId="{D64EE990-5B97-4685-AD62-0BE4477E0A7B}" dt="2024-06-07T12:10:21.676" v="1083" actId="478"/>
+          <ac:spMkLst>
+            <pc:docMk/>
+            <pc:sldMk cId="590475276" sldId="261"/>
+            <ac:spMk id="2" creationId="{9CBA813E-A872-B326-9964-8CF1BCFA8BFA}"/>
+          </ac:spMkLst>
+        </pc:spChg>
+        <pc:spChg chg="del">
+          <ac:chgData name="Javier Coque" userId="b45cc32f4dafb3dd" providerId="LiveId" clId="{D64EE990-5B97-4685-AD62-0BE4477E0A7B}" dt="2024-06-07T12:10:23.053" v="1084" actId="478"/>
+          <ac:spMkLst>
+            <pc:docMk/>
+            <pc:sldMk cId="590475276" sldId="261"/>
+            <ac:spMk id="3" creationId="{CFCCD67F-922C-4C54-F688-E80FDF65F7EC}"/>
+          </ac:spMkLst>
+        </pc:spChg>
+        <pc:spChg chg="add del mod ord">
+          <ac:chgData name="Javier Coque" userId="b45cc32f4dafb3dd" providerId="LiveId" clId="{D64EE990-5B97-4685-AD62-0BE4477E0A7B}" dt="2024-06-08T05:50:43.072" v="1170" actId="478"/>
+          <ac:spMkLst>
+            <pc:docMk/>
+            <pc:sldMk cId="590475276" sldId="261"/>
+            <ac:spMk id="8" creationId="{F2B693D5-0CCF-2272-8053-A5243E15C53C}"/>
+          </ac:spMkLst>
+        </pc:spChg>
+        <pc:spChg chg="add mod">
+          <ac:chgData name="Javier Coque" userId="b45cc32f4dafb3dd" providerId="LiveId" clId="{D64EE990-5B97-4685-AD62-0BE4477E0A7B}" dt="2024-06-08T05:54:02.346" v="1188" actId="14100"/>
+          <ac:spMkLst>
+            <pc:docMk/>
+            <pc:sldMk cId="590475276" sldId="261"/>
+            <ac:spMk id="31" creationId="{DC1A3746-27F7-2F0B-FFA9-315271F261E4}"/>
+          </ac:spMkLst>
+        </pc:spChg>
+        <pc:picChg chg="add del">
+          <ac:chgData name="Javier Coque" userId="b45cc32f4dafb3dd" providerId="LiveId" clId="{D64EE990-5B97-4685-AD62-0BE4477E0A7B}" dt="2024-06-07T15:33:54.348" v="1095" actId="478"/>
+          <ac:picMkLst>
+            <pc:docMk/>
+            <pc:sldMk cId="590475276" sldId="261"/>
+            <ac:picMk id="5" creationId="{C1DD7F3A-4773-47FF-4473-418E743B5DF1}"/>
+          </ac:picMkLst>
+        </pc:picChg>
+        <pc:picChg chg="add del mod">
+          <ac:chgData name="Javier Coque" userId="b45cc32f4dafb3dd" providerId="LiveId" clId="{D64EE990-5B97-4685-AD62-0BE4477E0A7B}" dt="2024-06-07T15:35:00.950" v="1104" actId="478"/>
+          <ac:picMkLst>
+            <pc:docMk/>
+            <pc:sldMk cId="590475276" sldId="261"/>
+            <ac:picMk id="10" creationId="{53C4BBBF-B92F-213C-FD2B-437EE7A15136}"/>
+          </ac:picMkLst>
+        </pc:picChg>
+        <pc:picChg chg="add del mod">
+          <ac:chgData name="Javier Coque" userId="b45cc32f4dafb3dd" providerId="LiveId" clId="{D64EE990-5B97-4685-AD62-0BE4477E0A7B}" dt="2024-06-07T15:37:23.589" v="1122" actId="478"/>
+          <ac:picMkLst>
+            <pc:docMk/>
+            <pc:sldMk cId="590475276" sldId="261"/>
+            <ac:picMk id="12" creationId="{0787F35E-3E36-EF0D-94CB-14444B8D61B2}"/>
+          </ac:picMkLst>
+        </pc:picChg>
+        <pc:picChg chg="add del mod ord">
+          <ac:chgData name="Javier Coque" userId="b45cc32f4dafb3dd" providerId="LiveId" clId="{D64EE990-5B97-4685-AD62-0BE4477E0A7B}" dt="2024-06-08T05:50:40.525" v="1169" actId="478"/>
+          <ac:picMkLst>
+            <pc:docMk/>
+            <pc:sldMk cId="590475276" sldId="261"/>
+            <ac:picMk id="20" creationId="{A6531CBA-3C36-BE28-91A3-256919378282}"/>
+          </ac:picMkLst>
+        </pc:picChg>
+        <pc:picChg chg="add del">
+          <ac:chgData name="Javier Coque" userId="b45cc32f4dafb3dd" providerId="LiveId" clId="{D64EE990-5B97-4685-AD62-0BE4477E0A7B}" dt="2024-06-08T05:51:21.229" v="1173" actId="478"/>
+          <ac:picMkLst>
+            <pc:docMk/>
+            <pc:sldMk cId="590475276" sldId="261"/>
+            <ac:picMk id="25" creationId="{0A4BBFB2-662D-8DF8-E298-CA14A4D38FC5}"/>
+          </ac:picMkLst>
+        </pc:picChg>
+        <pc:picChg chg="add mod">
+          <ac:chgData name="Javier Coque" userId="b45cc32f4dafb3dd" providerId="LiveId" clId="{D64EE990-5B97-4685-AD62-0BE4477E0A7B}" dt="2024-06-08T05:52:25.948" v="1183" actId="1076"/>
+          <ac:picMkLst>
+            <pc:docMk/>
+            <pc:sldMk cId="590475276" sldId="261"/>
+            <ac:picMk id="27" creationId="{C6E63735-C841-D8BB-999D-7F2CB82CC926}"/>
+          </ac:picMkLst>
+        </pc:picChg>
+        <pc:cxnChg chg="add del mod">
+          <ac:chgData name="Javier Coque" userId="b45cc32f4dafb3dd" providerId="LiveId" clId="{D64EE990-5B97-4685-AD62-0BE4477E0A7B}" dt="2024-06-07T15:35:21.514" v="1110" actId="478"/>
+          <ac:cxnSpMkLst>
+            <pc:docMk/>
+            <pc:sldMk cId="590475276" sldId="261"/>
+            <ac:cxnSpMk id="7" creationId="{567E1793-196A-E3AF-8D6C-A6F28840A9D1}"/>
+          </ac:cxnSpMkLst>
+        </pc:cxnChg>
+        <pc:cxnChg chg="add del mod">
+          <ac:chgData name="Javier Coque" userId="b45cc32f4dafb3dd" providerId="LiveId" clId="{D64EE990-5B97-4685-AD62-0BE4477E0A7B}" dt="2024-06-08T05:50:45.224" v="1171" actId="478"/>
+          <ac:cxnSpMkLst>
+            <pc:docMk/>
+            <pc:sldMk cId="590475276" sldId="261"/>
+            <ac:cxnSpMk id="14" creationId="{D7DFDCD4-0BD8-E2D2-5F99-6D498B1512EB}"/>
+          </ac:cxnSpMkLst>
+        </pc:cxnChg>
+        <pc:cxnChg chg="add del mod">
+          <ac:chgData name="Javier Coque" userId="b45cc32f4dafb3dd" providerId="LiveId" clId="{D64EE990-5B97-4685-AD62-0BE4477E0A7B}" dt="2024-06-08T05:50:43.072" v="1170" actId="478"/>
+          <ac:cxnSpMkLst>
+            <pc:docMk/>
+            <pc:sldMk cId="590475276" sldId="261"/>
+            <ac:cxnSpMk id="15" creationId="{CF1C5C84-6DEF-AFD4-75CC-192426AFF616}"/>
+          </ac:cxnSpMkLst>
+        </pc:cxnChg>
+        <pc:cxnChg chg="add del mod">
+          <ac:chgData name="Javier Coque" userId="b45cc32f4dafb3dd" providerId="LiveId" clId="{D64EE990-5B97-4685-AD62-0BE4477E0A7B}" dt="2024-06-08T05:50:45.224" v="1171" actId="478"/>
+          <ac:cxnSpMkLst>
+            <pc:docMk/>
+            <pc:sldMk cId="590475276" sldId="261"/>
+            <ac:cxnSpMk id="18" creationId="{4BF4F7DD-CDF4-724C-BE3E-609350BF8FD5}"/>
+          </ac:cxnSpMkLst>
+        </pc:cxnChg>
+        <pc:cxnChg chg="add del mod">
+          <ac:chgData name="Javier Coque" userId="b45cc32f4dafb3dd" providerId="LiveId" clId="{D64EE990-5B97-4685-AD62-0BE4477E0A7B}" dt="2024-06-08T05:50:45.224" v="1171" actId="478"/>
+          <ac:cxnSpMkLst>
+            <pc:docMk/>
+            <pc:sldMk cId="590475276" sldId="261"/>
+            <ac:cxnSpMk id="22" creationId="{84DC77FF-1B75-B215-EC8D-39213D43514F}"/>
+          </ac:cxnSpMkLst>
+        </pc:cxnChg>
+        <pc:cxnChg chg="add mod">
+          <ac:chgData name="Javier Coque" userId="b45cc32f4dafb3dd" providerId="LiveId" clId="{D64EE990-5B97-4685-AD62-0BE4477E0A7B}" dt="2024-06-08T05:51:51.974" v="1179" actId="208"/>
+          <ac:cxnSpMkLst>
+            <pc:docMk/>
+            <pc:sldMk cId="590475276" sldId="261"/>
+            <ac:cxnSpMk id="29" creationId="{ED1029DD-6BF2-15A7-2BAC-24F01459F54D}"/>
+          </ac:cxnSpMkLst>
+        </pc:cxnChg>
       </pc:sldChg>
     </pc:docChg>
   </pc:docChgLst>
@@ -1799,7 +1935,7 @@
           <a:p>
             <a:fld id="{3685AE6B-3447-4317-B23C-3B670DE604B0}" type="datetimeFigureOut">
               <a:rPr lang="es-ES" smtClean="0"/>
-              <a:t>03/06/2024</a:t>
+              <a:t>07/06/2024</a:t>
             </a:fld>
             <a:endParaRPr lang="es-ES"/>
           </a:p>
@@ -1969,7 +2105,7 @@
           <a:p>
             <a:fld id="{3685AE6B-3447-4317-B23C-3B670DE604B0}" type="datetimeFigureOut">
               <a:rPr lang="es-ES" smtClean="0"/>
-              <a:t>03/06/2024</a:t>
+              <a:t>07/06/2024</a:t>
             </a:fld>
             <a:endParaRPr lang="es-ES"/>
           </a:p>
@@ -2149,7 +2285,7 @@
           <a:p>
             <a:fld id="{3685AE6B-3447-4317-B23C-3B670DE604B0}" type="datetimeFigureOut">
               <a:rPr lang="es-ES" smtClean="0"/>
-              <a:t>03/06/2024</a:t>
+              <a:t>07/06/2024</a:t>
             </a:fld>
             <a:endParaRPr lang="es-ES"/>
           </a:p>
@@ -2319,7 +2455,7 @@
           <a:p>
             <a:fld id="{3685AE6B-3447-4317-B23C-3B670DE604B0}" type="datetimeFigureOut">
               <a:rPr lang="es-ES" smtClean="0"/>
-              <a:t>03/06/2024</a:t>
+              <a:t>07/06/2024</a:t>
             </a:fld>
             <a:endParaRPr lang="es-ES"/>
           </a:p>
@@ -2565,7 +2701,7 @@
           <a:p>
             <a:fld id="{3685AE6B-3447-4317-B23C-3B670DE604B0}" type="datetimeFigureOut">
               <a:rPr lang="es-ES" smtClean="0"/>
-              <a:t>03/06/2024</a:t>
+              <a:t>07/06/2024</a:t>
             </a:fld>
             <a:endParaRPr lang="es-ES"/>
           </a:p>
@@ -2797,7 +2933,7 @@
           <a:p>
             <a:fld id="{3685AE6B-3447-4317-B23C-3B670DE604B0}" type="datetimeFigureOut">
               <a:rPr lang="es-ES" smtClean="0"/>
-              <a:t>03/06/2024</a:t>
+              <a:t>07/06/2024</a:t>
             </a:fld>
             <a:endParaRPr lang="es-ES"/>
           </a:p>
@@ -3164,7 +3300,7 @@
           <a:p>
             <a:fld id="{3685AE6B-3447-4317-B23C-3B670DE604B0}" type="datetimeFigureOut">
               <a:rPr lang="es-ES" smtClean="0"/>
-              <a:t>03/06/2024</a:t>
+              <a:t>07/06/2024</a:t>
             </a:fld>
             <a:endParaRPr lang="es-ES"/>
           </a:p>
@@ -3282,7 +3418,7 @@
           <a:p>
             <a:fld id="{3685AE6B-3447-4317-B23C-3B670DE604B0}" type="datetimeFigureOut">
               <a:rPr lang="es-ES" smtClean="0"/>
-              <a:t>03/06/2024</a:t>
+              <a:t>07/06/2024</a:t>
             </a:fld>
             <a:endParaRPr lang="es-ES"/>
           </a:p>
@@ -3377,7 +3513,7 @@
           <a:p>
             <a:fld id="{3685AE6B-3447-4317-B23C-3B670DE604B0}" type="datetimeFigureOut">
               <a:rPr lang="es-ES" smtClean="0"/>
-              <a:t>03/06/2024</a:t>
+              <a:t>07/06/2024</a:t>
             </a:fld>
             <a:endParaRPr lang="es-ES"/>
           </a:p>
@@ -3654,7 +3790,7 @@
           <a:p>
             <a:fld id="{3685AE6B-3447-4317-B23C-3B670DE604B0}" type="datetimeFigureOut">
               <a:rPr lang="es-ES" smtClean="0"/>
-              <a:t>03/06/2024</a:t>
+              <a:t>07/06/2024</a:t>
             </a:fld>
             <a:endParaRPr lang="es-ES"/>
           </a:p>
@@ -3911,7 +4047,7 @@
           <a:p>
             <a:fld id="{3685AE6B-3447-4317-B23C-3B670DE604B0}" type="datetimeFigureOut">
               <a:rPr lang="es-ES" smtClean="0"/>
-              <a:t>03/06/2024</a:t>
+              <a:t>07/06/2024</a:t>
             </a:fld>
             <a:endParaRPr lang="es-ES"/>
           </a:p>
@@ -4124,7 +4260,7 @@
           <a:p>
             <a:fld id="{3685AE6B-3447-4317-B23C-3B670DE604B0}" type="datetimeFigureOut">
               <a:rPr lang="es-ES" smtClean="0"/>
-              <a:t>03/06/2024</a:t>
+              <a:t>07/06/2024</a:t>
             </a:fld>
             <a:endParaRPr lang="es-ES"/>
           </a:p>
@@ -7155,7 +7291,7 @@
         <p:spPr>
           <a:xfrm>
             <a:off x="939180" y="2481384"/>
-            <a:ext cx="10769600" cy="4460240"/>
+            <a:ext cx="10769600" cy="3662742"/>
           </a:xfrm>
           <a:prstGeom prst="rect">
             <a:avLst/>
@@ -7185,6 +7321,14 @@
           <a:lstStyle/>
           <a:p>
             <a:pPr algn="ctr"/>
+            <a:r>
+              <a:rPr lang="en-US" dirty="0">
+                <a:solidFill>
+                  <a:schemeClr val="tx1"/>
+                </a:solidFill>
+              </a:rPr>
+              <a:t>s</a:t>
+            </a:r>
             <a:endParaRPr lang="es-ES" dirty="0">
               <a:solidFill>
                 <a:schemeClr val="tx1"/>
@@ -7787,8 +7931,8 @@
         </p:nvSpPr>
         <p:spPr>
           <a:xfrm>
-            <a:off x="10283410" y="1555053"/>
-            <a:ext cx="168385" cy="1529933"/>
+            <a:off x="10283410" y="2176563"/>
+            <a:ext cx="150789" cy="838445"/>
           </a:xfrm>
           <a:prstGeom prst="upArrow">
             <a:avLst/>
@@ -7836,8 +7980,8 @@
         </p:nvSpPr>
         <p:spPr>
           <a:xfrm>
-            <a:off x="10962797" y="1567149"/>
-            <a:ext cx="150789" cy="1505519"/>
+            <a:off x="10859062" y="2182721"/>
+            <a:ext cx="141618" cy="826127"/>
           </a:xfrm>
           <a:prstGeom prst="downArrow">
             <a:avLst/>
@@ -8313,8 +8457,8 @@
         </p:nvSpPr>
         <p:spPr>
           <a:xfrm>
-            <a:off x="3604938" y="4310106"/>
-            <a:ext cx="1658659" cy="461665"/>
+            <a:off x="3559285" y="4310106"/>
+            <a:ext cx="1749966" cy="461665"/>
           </a:xfrm>
           <a:prstGeom prst="rect">
             <a:avLst/>
@@ -8329,17 +8473,17 @@
           <a:p>
             <a:pPr algn="ctr"/>
             <a:r>
-              <a:rPr lang="en-US" sz="1200" dirty="0"/>
-              <a:t>Linked service a Azure</a:t>
+              <a:rPr lang="en-US" sz="1200" b="1" dirty="0"/>
+              <a:t>Linked Service a Azure</a:t>
             </a:r>
           </a:p>
           <a:p>
             <a:pPr algn="ctr"/>
             <a:r>
-              <a:rPr lang="en-US" sz="1200" dirty="0"/>
+              <a:rPr lang="en-US" sz="1200" b="1" dirty="0"/>
               <a:t>Blob Storage</a:t>
             </a:r>
-            <a:endParaRPr lang="es-ES" sz="1200" dirty="0"/>
+            <a:endParaRPr lang="es-ES" sz="1200" b="1" dirty="0"/>
           </a:p>
         </p:txBody>
       </p:sp>
@@ -8357,8 +8501,8 @@
         </p:nvSpPr>
         <p:spPr>
           <a:xfrm>
-            <a:off x="1844417" y="3231304"/>
-            <a:ext cx="2628476" cy="461665"/>
+            <a:off x="1772827" y="3231304"/>
+            <a:ext cx="2771657" cy="461665"/>
           </a:xfrm>
           <a:prstGeom prst="rect">
             <a:avLst/>
@@ -8373,17 +8517,17 @@
           <a:p>
             <a:pPr algn="ctr"/>
             <a:r>
-              <a:rPr lang="en-US" sz="1200" dirty="0"/>
+              <a:rPr lang="en-US" sz="1200" b="1" dirty="0"/>
               <a:t>Dataset a </a:t>
             </a:r>
             <a:br>
-              <a:rPr lang="en-US" sz="1200" dirty="0"/>
+              <a:rPr lang="en-US" sz="1200" b="1" dirty="0"/>
             </a:br>
             <a:r>
-              <a:rPr lang="en-US" sz="1200" dirty="0"/>
+              <a:rPr lang="en-US" sz="1200" b="1" dirty="0"/>
               <a:t>containertfginso1/final_data.parquet</a:t>
             </a:r>
-            <a:endParaRPr lang="es-ES" sz="1200" dirty="0"/>
+            <a:endParaRPr lang="es-ES" sz="1200" b="1" dirty="0"/>
           </a:p>
         </p:txBody>
       </p:sp>
@@ -8401,8 +8545,8 @@
         </p:nvSpPr>
         <p:spPr>
           <a:xfrm>
-            <a:off x="6721598" y="4921626"/>
-            <a:ext cx="1658659" cy="461665"/>
+            <a:off x="6681555" y="4921626"/>
+            <a:ext cx="1738746" cy="461665"/>
           </a:xfrm>
           <a:prstGeom prst="rect">
             <a:avLst/>
@@ -8417,17 +8561,17 @@
           <a:p>
             <a:pPr algn="ctr"/>
             <a:r>
-              <a:rPr lang="en-US" sz="1200" dirty="0"/>
+              <a:rPr lang="en-US" sz="1200" b="1" dirty="0"/>
               <a:t>Linked service a Azure</a:t>
             </a:r>
           </a:p>
           <a:p>
             <a:pPr algn="ctr"/>
             <a:r>
-              <a:rPr lang="en-US" sz="1200" dirty="0"/>
+              <a:rPr lang="en-US" sz="1200" b="1" dirty="0"/>
               <a:t>SQL Database</a:t>
             </a:r>
-            <a:endParaRPr lang="es-ES" sz="1200" dirty="0"/>
+            <a:endParaRPr lang="es-ES" sz="1200" b="1" dirty="0"/>
           </a:p>
         </p:txBody>
       </p:sp>
@@ -8445,8 +8589,8 @@
         </p:nvSpPr>
         <p:spPr>
           <a:xfrm>
-            <a:off x="8288623" y="3769372"/>
-            <a:ext cx="1152303" cy="461665"/>
+            <a:off x="8264418" y="3769372"/>
+            <a:ext cx="1200713" cy="461665"/>
           </a:xfrm>
           <a:prstGeom prst="rect">
             <a:avLst/>
@@ -8461,17 +8605,17 @@
           <a:p>
             <a:pPr algn="ctr"/>
             <a:r>
-              <a:rPr lang="en-US" sz="1200" dirty="0"/>
+              <a:rPr lang="en-US" sz="1200" b="1" dirty="0"/>
               <a:t>Dataset a </a:t>
             </a:r>
             <a:br>
-              <a:rPr lang="en-US" sz="1200" dirty="0"/>
+              <a:rPr lang="en-US" sz="1200" b="1" dirty="0"/>
             </a:br>
             <a:r>
-              <a:rPr lang="en-US" sz="1200" dirty="0"/>
+              <a:rPr lang="en-US" sz="1200" b="1" dirty="0"/>
               <a:t>tabla DiarioDB</a:t>
             </a:r>
-            <a:endParaRPr lang="es-ES" sz="1200" dirty="0"/>
+            <a:endParaRPr lang="es-ES" sz="1200" b="1" dirty="0"/>
           </a:p>
         </p:txBody>
       </p:sp>
@@ -8497,8 +8641,8 @@
         </p:blipFill>
         <p:spPr>
           <a:xfrm>
-            <a:off x="8905239" y="133594"/>
-            <a:ext cx="3093111" cy="1186616"/>
+            <a:off x="9172151" y="986790"/>
+            <a:ext cx="2536629" cy="973132"/>
           </a:xfrm>
           <a:prstGeom prst="rect">
             <a:avLst/>
@@ -10383,8 +10527,8 @@
         </p:nvSpPr>
         <p:spPr>
           <a:xfrm>
-            <a:off x="10088880" y="3089442"/>
-            <a:ext cx="191232" cy="4025234"/>
+            <a:off x="10088880" y="4068982"/>
+            <a:ext cx="150388" cy="3045694"/>
           </a:xfrm>
           <a:prstGeom prst="rightBrace">
             <a:avLst/>
@@ -12701,6 +12845,162 @@
     <p:extLst>
       <p:ext uri="{BB962C8B-B14F-4D97-AF65-F5344CB8AC3E}">
         <p14:creationId xmlns:p14="http://schemas.microsoft.com/office/powerpoint/2010/main" val="4244387730"/>
+      </p:ext>
+    </p:extLst>
+  </p:cSld>
+  <p:clrMapOvr>
+    <a:masterClrMapping/>
+  </p:clrMapOvr>
+</p:sld>
+</file>
+
+<file path=ppt/slides/slide6.xml><?xml version="1.0" encoding="utf-8"?>
+<p:sld xmlns:a="http://schemas.openxmlformats.org/drawingml/2006/main" xmlns:r="http://schemas.openxmlformats.org/officeDocument/2006/relationships" xmlns:p="http://schemas.openxmlformats.org/presentationml/2006/main">
+  <p:cSld>
+    <p:spTree>
+      <p:nvGrpSpPr>
+        <p:cNvPr id="1" name=""/>
+        <p:cNvGrpSpPr/>
+        <p:nvPr/>
+      </p:nvGrpSpPr>
+      <p:grpSpPr>
+        <a:xfrm>
+          <a:off x="0" y="0"/>
+          <a:ext cx="0" cy="0"/>
+          <a:chOff x="0" y="0"/>
+          <a:chExt cx="0" cy="0"/>
+        </a:xfrm>
+      </p:grpSpPr>
+      <p:pic>
+        <p:nvPicPr>
+          <p:cNvPr id="27" name="Imagen 26">
+            <a:extLst>
+              <a:ext uri="{FF2B5EF4-FFF2-40B4-BE49-F238E27FC236}">
+                <a16:creationId xmlns:a16="http://schemas.microsoft.com/office/drawing/2014/main" id="{C6E63735-C841-D8BB-999D-7F2CB82CC926}"/>
+              </a:ext>
+            </a:extLst>
+          </p:cNvPr>
+          <p:cNvPicPr>
+            <a:picLocks noChangeAspect="1"/>
+          </p:cNvPicPr>
+          <p:nvPr/>
+        </p:nvPicPr>
+        <p:blipFill>
+          <a:blip r:embed="rId2"/>
+          <a:stretch>
+            <a:fillRect/>
+          </a:stretch>
+        </p:blipFill>
+        <p:spPr>
+          <a:xfrm>
+            <a:off x="666194" y="3023767"/>
+            <a:ext cx="11667231" cy="2232853"/>
+          </a:xfrm>
+          <a:prstGeom prst="rect">
+            <a:avLst/>
+          </a:prstGeom>
+        </p:spPr>
+      </p:pic>
+      <p:cxnSp>
+        <p:nvCxnSpPr>
+          <p:cNvPr id="29" name="Conector recto de flecha 28">
+            <a:extLst>
+              <a:ext uri="{FF2B5EF4-FFF2-40B4-BE49-F238E27FC236}">
+                <a16:creationId xmlns:a16="http://schemas.microsoft.com/office/drawing/2014/main" id="{ED1029DD-6BF2-15A7-2BAC-24F01459F54D}"/>
+              </a:ext>
+            </a:extLst>
+          </p:cNvPr>
+          <p:cNvCxnSpPr>
+            <a:cxnSpLocks/>
+          </p:cNvCxnSpPr>
+          <p:nvPr/>
+        </p:nvCxnSpPr>
+        <p:spPr>
+          <a:xfrm>
+            <a:off x="7162800" y="5157538"/>
+            <a:ext cx="1147011" cy="0"/>
+          </a:xfrm>
+          <a:prstGeom prst="straightConnector1">
+            <a:avLst/>
+          </a:prstGeom>
+          <a:ln>
+            <a:solidFill>
+              <a:srgbClr val="FF0000"/>
+            </a:solidFill>
+            <a:tailEnd type="triangle"/>
+          </a:ln>
+        </p:spPr>
+        <p:style>
+          <a:lnRef idx="2">
+            <a:schemeClr val="accent5"/>
+          </a:lnRef>
+          <a:fillRef idx="0">
+            <a:schemeClr val="accent5"/>
+          </a:fillRef>
+          <a:effectRef idx="1">
+            <a:schemeClr val="accent5"/>
+          </a:effectRef>
+          <a:fontRef idx="minor">
+            <a:schemeClr val="tx1"/>
+          </a:fontRef>
+        </p:style>
+      </p:cxnSp>
+      <p:sp>
+        <p:nvSpPr>
+          <p:cNvPr id="31" name="Rectángulo 30">
+            <a:extLst>
+              <a:ext uri="{FF2B5EF4-FFF2-40B4-BE49-F238E27FC236}">
+                <a16:creationId xmlns:a16="http://schemas.microsoft.com/office/drawing/2014/main" id="{DC1A3746-27F7-2F0B-FFA9-315271F261E4}"/>
+              </a:ext>
+            </a:extLst>
+          </p:cNvPr>
+          <p:cNvSpPr/>
+          <p:nvPr/>
+        </p:nvSpPr>
+        <p:spPr>
+          <a:xfrm>
+            <a:off x="8386010" y="5013161"/>
+            <a:ext cx="3871215" cy="216000"/>
+          </a:xfrm>
+          <a:prstGeom prst="rect">
+            <a:avLst/>
+          </a:prstGeom>
+          <a:noFill/>
+          <a:ln>
+            <a:solidFill>
+              <a:srgbClr val="FF0000"/>
+            </a:solidFill>
+          </a:ln>
+        </p:spPr>
+        <p:style>
+          <a:lnRef idx="2">
+            <a:schemeClr val="accent1">
+              <a:shade val="15000"/>
+            </a:schemeClr>
+          </a:lnRef>
+          <a:fillRef idx="1">
+            <a:schemeClr val="accent1"/>
+          </a:fillRef>
+          <a:effectRef idx="0">
+            <a:schemeClr val="accent1"/>
+          </a:effectRef>
+          <a:fontRef idx="minor">
+            <a:schemeClr val="lt1"/>
+          </a:fontRef>
+        </p:style>
+        <p:txBody>
+          <a:bodyPr rtlCol="0" anchor="ctr"/>
+          <a:lstStyle/>
+          <a:p>
+            <a:pPr algn="ctr"/>
+            <a:endParaRPr lang="es-ES"/>
+          </a:p>
+        </p:txBody>
+      </p:sp>
+    </p:spTree>
+    <p:extLst>
+      <p:ext uri="{BB962C8B-B14F-4D97-AF65-F5344CB8AC3E}">
+        <p14:creationId xmlns:p14="http://schemas.microsoft.com/office/powerpoint/2010/main" val="590475276"/>
       </p:ext>
     </p:extLst>
   </p:cSld>
